--- a/PresentationDocs/IMSAshillPathakSoftwareMarch16.pptx
+++ b/PresentationDocs/IMSAshillPathakSoftwareMarch16.pptx
@@ -117,6 +117,11 @@
       </a:defRPr>
     </a:lvl9pPr>
   </p:defaultTextStyle>
+  <p:extLst>
+    <p:ext uri="{EFAFB233-063F-42B5-8137-9DF3F51BA10A}">
+      <p15:sldGuideLst xmlns:p15="http://schemas.microsoft.com/office/powerpoint/2012/main"/>
+    </p:ext>
+  </p:extLst>
 </p:presentation>
 </file>
 
@@ -269,7 +274,7 @@
           <a:p>
             <a:fld id="{4DB36737-5080-49AA-BFC5-73BCE4A12739}" type="datetimeFigureOut">
               <a:rPr lang="en-GB" smtClean="0"/>
-              <a:t>25/04/2020</a:t>
+              <a:t>26/04/2020</a:t>
             </a:fld>
             <a:endParaRPr lang="en-GB"/>
           </a:p>
@@ -469,7 +474,7 @@
           <a:p>
             <a:fld id="{4DB36737-5080-49AA-BFC5-73BCE4A12739}" type="datetimeFigureOut">
               <a:rPr lang="en-GB" smtClean="0"/>
-              <a:t>25/04/2020</a:t>
+              <a:t>26/04/2020</a:t>
             </a:fld>
             <a:endParaRPr lang="en-GB"/>
           </a:p>
@@ -679,7 +684,7 @@
           <a:p>
             <a:fld id="{4DB36737-5080-49AA-BFC5-73BCE4A12739}" type="datetimeFigureOut">
               <a:rPr lang="en-GB" smtClean="0"/>
-              <a:t>25/04/2020</a:t>
+              <a:t>26/04/2020</a:t>
             </a:fld>
             <a:endParaRPr lang="en-GB"/>
           </a:p>
@@ -879,7 +884,7 @@
           <a:p>
             <a:fld id="{4DB36737-5080-49AA-BFC5-73BCE4A12739}" type="datetimeFigureOut">
               <a:rPr lang="en-GB" smtClean="0"/>
-              <a:t>25/04/2020</a:t>
+              <a:t>26/04/2020</a:t>
             </a:fld>
             <a:endParaRPr lang="en-GB"/>
           </a:p>
@@ -1155,7 +1160,7 @@
           <a:p>
             <a:fld id="{4DB36737-5080-49AA-BFC5-73BCE4A12739}" type="datetimeFigureOut">
               <a:rPr lang="en-GB" smtClean="0"/>
-              <a:t>25/04/2020</a:t>
+              <a:t>26/04/2020</a:t>
             </a:fld>
             <a:endParaRPr lang="en-GB"/>
           </a:p>
@@ -1423,7 +1428,7 @@
           <a:p>
             <a:fld id="{4DB36737-5080-49AA-BFC5-73BCE4A12739}" type="datetimeFigureOut">
               <a:rPr lang="en-GB" smtClean="0"/>
-              <a:t>25/04/2020</a:t>
+              <a:t>26/04/2020</a:t>
             </a:fld>
             <a:endParaRPr lang="en-GB"/>
           </a:p>
@@ -1838,7 +1843,7 @@
           <a:p>
             <a:fld id="{4DB36737-5080-49AA-BFC5-73BCE4A12739}" type="datetimeFigureOut">
               <a:rPr lang="en-GB" smtClean="0"/>
-              <a:t>25/04/2020</a:t>
+              <a:t>26/04/2020</a:t>
             </a:fld>
             <a:endParaRPr lang="en-GB"/>
           </a:p>
@@ -1980,7 +1985,7 @@
           <a:p>
             <a:fld id="{4DB36737-5080-49AA-BFC5-73BCE4A12739}" type="datetimeFigureOut">
               <a:rPr lang="en-GB" smtClean="0"/>
-              <a:t>25/04/2020</a:t>
+              <a:t>26/04/2020</a:t>
             </a:fld>
             <a:endParaRPr lang="en-GB"/>
           </a:p>
@@ -2093,7 +2098,7 @@
           <a:p>
             <a:fld id="{4DB36737-5080-49AA-BFC5-73BCE4A12739}" type="datetimeFigureOut">
               <a:rPr lang="en-GB" smtClean="0"/>
-              <a:t>25/04/2020</a:t>
+              <a:t>26/04/2020</a:t>
             </a:fld>
             <a:endParaRPr lang="en-GB"/>
           </a:p>
@@ -2406,7 +2411,7 @@
           <a:p>
             <a:fld id="{4DB36737-5080-49AA-BFC5-73BCE4A12739}" type="datetimeFigureOut">
               <a:rPr lang="en-GB" smtClean="0"/>
-              <a:t>25/04/2020</a:t>
+              <a:t>26/04/2020</a:t>
             </a:fld>
             <a:endParaRPr lang="en-GB"/>
           </a:p>
@@ -2695,7 +2700,7 @@
           <a:p>
             <a:fld id="{4DB36737-5080-49AA-BFC5-73BCE4A12739}" type="datetimeFigureOut">
               <a:rPr lang="en-GB" smtClean="0"/>
-              <a:t>25/04/2020</a:t>
+              <a:t>26/04/2020</a:t>
             </a:fld>
             <a:endParaRPr lang="en-GB"/>
           </a:p>
@@ -2938,7 +2943,7 @@
           <a:p>
             <a:fld id="{4DB36737-5080-49AA-BFC5-73BCE4A12739}" type="datetimeFigureOut">
               <a:rPr lang="en-GB" smtClean="0"/>
-              <a:t>25/04/2020</a:t>
+              <a:t>26/04/2020</a:t>
             </a:fld>
             <a:endParaRPr lang="en-GB"/>
           </a:p>
@@ -5016,7 +5021,7 @@
           </p:cNvPicPr>
           <p:nvPr/>
         </p:nvPicPr>
-        <p:blipFill>
+        <p:blipFill rotWithShape="1">
           <a:blip r:embed="rId2">
             <a:extLst>
               <a:ext uri="{28A0092B-C50C-407E-A947-70E740481C1C}">
@@ -5024,14 +5029,13 @@
               </a:ext>
             </a:extLst>
           </a:blip>
-          <a:stretch>
-            <a:fillRect/>
-          </a:stretch>
+          <a:srcRect t="2471"/>
+          <a:stretch/>
         </p:blipFill>
         <p:spPr>
           <a:xfrm>
-            <a:off x="7516195" y="298449"/>
-            <a:ext cx="4419600" cy="3929943"/>
+            <a:off x="7516195" y="395555"/>
+            <a:ext cx="4419600" cy="3832837"/>
           </a:xfrm>
           <a:prstGeom prst="rect">
             <a:avLst/>
@@ -5052,7 +5056,7 @@
           </p:cNvPicPr>
           <p:nvPr/>
         </p:nvPicPr>
-        <p:blipFill>
+        <p:blipFill rotWithShape="1">
           <a:blip r:embed="rId3">
             <a:extLst>
               <a:ext uri="{28A0092B-C50C-407E-A947-70E740481C1C}">
@@ -5060,14 +5064,13 @@
               </a:ext>
             </a:extLst>
           </a:blip>
-          <a:stretch>
-            <a:fillRect/>
-          </a:stretch>
+          <a:srcRect t="2915"/>
+          <a:stretch/>
         </p:blipFill>
         <p:spPr>
           <a:xfrm>
-            <a:off x="2772745" y="2894681"/>
-            <a:ext cx="4419600" cy="3792157"/>
+            <a:off x="2772745" y="3005191"/>
+            <a:ext cx="4419600" cy="3681647"/>
           </a:xfrm>
           <a:prstGeom prst="rect">
             <a:avLst/>
@@ -9308,7 +9311,7 @@
           </p:cNvPicPr>
           <p:nvPr/>
         </p:nvPicPr>
-        <p:blipFill>
+        <p:blipFill rotWithShape="1">
           <a:blip r:embed="rId2">
             <a:extLst>
               <a:ext uri="{28A0092B-C50C-407E-A947-70E740481C1C}">
@@ -9316,14 +9319,13 @@
               </a:ext>
             </a:extLst>
           </a:blip>
-          <a:stretch>
-            <a:fillRect/>
-          </a:stretch>
+          <a:srcRect t="6914"/>
+          <a:stretch/>
         </p:blipFill>
         <p:spPr>
           <a:xfrm>
-            <a:off x="3489325" y="2824597"/>
-            <a:ext cx="8112125" cy="3653002"/>
+            <a:off x="3489325" y="3077173"/>
+            <a:ext cx="8112125" cy="3400426"/>
           </a:xfrm>
           <a:prstGeom prst="rect">
             <a:avLst/>
